--- a/Presentation.pptx
+++ b/Presentation.pptx
@@ -11,8 +11,9 @@
     <p:sldId id="259" r:id="rId5"/>
     <p:sldId id="266" r:id="rId6"/>
     <p:sldId id="260" r:id="rId7"/>
-    <p:sldId id="267" r:id="rId8"/>
+    <p:sldId id="269" r:id="rId8"/>
     <p:sldId id="265" r:id="rId9"/>
+    <p:sldId id="268" r:id="rId10"/>
   </p:sldIdLst>
   <p:sldSz cx="12192000" cy="6858000"/>
   <p:notesSz cx="6858000" cy="9144000"/>
@@ -111,6 +112,11 @@
       </a:defRPr>
     </a:lvl9pPr>
   </p:defaultTextStyle>
+  <p:extLst>
+    <p:ext uri="{EFAFB233-063F-42B5-8137-9DF3F51BA10A}">
+      <p15:sldGuideLst xmlns:p15="http://schemas.microsoft.com/office/powerpoint/2012/main"/>
+    </p:ext>
+  </p:extLst>
 </p:presentation>
 </file>
 
@@ -616,7 +622,7 @@
           <a:p>
             <a:fld id="{4B3D66C9-4CAF-B04D-883B-C6BD472F5499}" type="datetimeFigureOut">
               <a:rPr lang="en-US" smtClean="0"/>
-              <a:t>4/23/17</a:t>
+              <a:t>4/24/17</a:t>
             </a:fld>
             <a:endParaRPr lang="en-US"/>
           </a:p>
@@ -907,7 +913,7 @@
           <a:p>
             <a:fld id="{4B3D66C9-4CAF-B04D-883B-C6BD472F5499}" type="datetimeFigureOut">
               <a:rPr lang="en-US" smtClean="0"/>
-              <a:t>4/23/17</a:t>
+              <a:t>4/24/17</a:t>
             </a:fld>
             <a:endParaRPr lang="en-US"/>
           </a:p>
@@ -1150,7 +1156,7 @@
           <a:p>
             <a:fld id="{4B3D66C9-4CAF-B04D-883B-C6BD472F5499}" type="datetimeFigureOut">
               <a:rPr lang="en-US" smtClean="0"/>
-              <a:t>4/23/17</a:t>
+              <a:t>4/24/17</a:t>
             </a:fld>
             <a:endParaRPr lang="en-US"/>
           </a:p>
@@ -1685,7 +1691,7 @@
           <a:p>
             <a:fld id="{4B3D66C9-4CAF-B04D-883B-C6BD472F5499}" type="datetimeFigureOut">
               <a:rPr lang="en-US" smtClean="0"/>
-              <a:t>4/23/17</a:t>
+              <a:t>4/24/17</a:t>
             </a:fld>
             <a:endParaRPr lang="en-US"/>
           </a:p>
@@ -1928,7 +1934,7 @@
           <a:p>
             <a:fld id="{4B3D66C9-4CAF-B04D-883B-C6BD472F5499}" type="datetimeFigureOut">
               <a:rPr lang="en-US" smtClean="0"/>
-              <a:t>4/23/17</a:t>
+              <a:t>4/24/17</a:t>
             </a:fld>
             <a:endParaRPr lang="en-US"/>
           </a:p>
@@ -2455,7 +2461,7 @@
           <a:p>
             <a:fld id="{4B3D66C9-4CAF-B04D-883B-C6BD472F5499}" type="datetimeFigureOut">
               <a:rPr lang="en-US" smtClean="0"/>
-              <a:t>4/23/17</a:t>
+              <a:t>4/24/17</a:t>
             </a:fld>
             <a:endParaRPr lang="en-US"/>
           </a:p>
@@ -2747,7 +2753,7 @@
           <a:p>
             <a:fld id="{4B3D66C9-4CAF-B04D-883B-C6BD472F5499}" type="datetimeFigureOut">
               <a:rPr lang="en-US" smtClean="0"/>
-              <a:t>4/23/17</a:t>
+              <a:t>4/24/17</a:t>
             </a:fld>
             <a:endParaRPr lang="en-US"/>
           </a:p>
@@ -2916,7 +2922,7 @@
           <a:p>
             <a:fld id="{4B3D66C9-4CAF-B04D-883B-C6BD472F5499}" type="datetimeFigureOut">
               <a:rPr lang="en-US" smtClean="0"/>
-              <a:t>4/23/17</a:t>
+              <a:t>4/24/17</a:t>
             </a:fld>
             <a:endParaRPr lang="en-US"/>
           </a:p>
@@ -3091,7 +3097,7 @@
           <a:p>
             <a:fld id="{4B3D66C9-4CAF-B04D-883B-C6BD472F5499}" type="datetimeFigureOut">
               <a:rPr lang="en-US" smtClean="0"/>
-              <a:t>4/23/17</a:t>
+              <a:t>4/24/17</a:t>
             </a:fld>
             <a:endParaRPr lang="en-US"/>
           </a:p>
@@ -3256,7 +3262,7 @@
           <a:p>
             <a:fld id="{4B3D66C9-4CAF-B04D-883B-C6BD472F5499}" type="datetimeFigureOut">
               <a:rPr lang="en-US" smtClean="0"/>
-              <a:t>4/23/17</a:t>
+              <a:t>4/24/17</a:t>
             </a:fld>
             <a:endParaRPr lang="en-US"/>
           </a:p>
@@ -3502,7 +3508,7 @@
           <a:p>
             <a:fld id="{4B3D66C9-4CAF-B04D-883B-C6BD472F5499}" type="datetimeFigureOut">
               <a:rPr lang="en-US" smtClean="0"/>
-              <a:t>4/23/17</a:t>
+              <a:t>4/24/17</a:t>
             </a:fld>
             <a:endParaRPr lang="en-US"/>
           </a:p>
@@ -3794,7 +3800,7 @@
           <a:p>
             <a:fld id="{4B3D66C9-4CAF-B04D-883B-C6BD472F5499}" type="datetimeFigureOut">
               <a:rPr lang="en-US" smtClean="0"/>
-              <a:t>4/23/17</a:t>
+              <a:t>4/24/17</a:t>
             </a:fld>
             <a:endParaRPr lang="en-US"/>
           </a:p>
@@ -4231,7 +4237,7 @@
           <a:p>
             <a:fld id="{4B3D66C9-4CAF-B04D-883B-C6BD472F5499}" type="datetimeFigureOut">
               <a:rPr lang="en-US" smtClean="0"/>
-              <a:t>4/23/17</a:t>
+              <a:t>4/24/17</a:t>
             </a:fld>
             <a:endParaRPr lang="en-US"/>
           </a:p>
@@ -4344,7 +4350,7 @@
           <a:p>
             <a:fld id="{4B3D66C9-4CAF-B04D-883B-C6BD472F5499}" type="datetimeFigureOut">
               <a:rPr lang="en-US" smtClean="0"/>
-              <a:t>4/23/17</a:t>
+              <a:t>4/24/17</a:t>
             </a:fld>
             <a:endParaRPr lang="en-US"/>
           </a:p>
@@ -4434,7 +4440,7 @@
           <a:p>
             <a:fld id="{4B3D66C9-4CAF-B04D-883B-C6BD472F5499}" type="datetimeFigureOut">
               <a:rPr lang="en-US" smtClean="0"/>
-              <a:t>4/23/17</a:t>
+              <a:t>4/24/17</a:t>
             </a:fld>
             <a:endParaRPr lang="en-US"/>
           </a:p>
@@ -4712,7 +4718,7 @@
           <a:p>
             <a:fld id="{4B3D66C9-4CAF-B04D-883B-C6BD472F5499}" type="datetimeFigureOut">
               <a:rPr lang="en-US" smtClean="0"/>
-              <a:t>4/23/17</a:t>
+              <a:t>4/24/17</a:t>
             </a:fld>
             <a:endParaRPr lang="en-US"/>
           </a:p>
@@ -4998,7 +5004,7 @@
           <a:p>
             <a:fld id="{4B3D66C9-4CAF-B04D-883B-C6BD472F5499}" type="datetimeFigureOut">
               <a:rPr lang="en-US" smtClean="0"/>
-              <a:t>4/23/17</a:t>
+              <a:t>4/24/17</a:t>
             </a:fld>
             <a:endParaRPr lang="en-US"/>
           </a:p>
@@ -5523,7 +5529,7 @@
           <a:p>
             <a:fld id="{4B3D66C9-4CAF-B04D-883B-C6BD472F5499}" type="datetimeFigureOut">
               <a:rPr lang="en-US" smtClean="0"/>
-              <a:t>4/23/17</a:t>
+              <a:t>4/24/17</a:t>
             </a:fld>
             <a:endParaRPr lang="en-US"/>
           </a:p>
@@ -6188,6 +6194,13 @@
   <p:clrMapOvr>
     <a:masterClrMapping/>
   </p:clrMapOvr>
+  <p:timing>
+    <p:tnLst>
+      <p:par>
+        <p:cTn id="1" dur="indefinite" restart="never" nodeType="tmRoot"/>
+      </p:par>
+    </p:tnLst>
+  </p:timing>
 </p:sld>
 </file>
 
@@ -6308,6 +6321,100 @@
           </a:p>
         </p:txBody>
       </p:sp>
+      <p:sp>
+        <p:nvSpPr>
+          <p:cNvPr id="4" name="TextBox 3"/>
+          <p:cNvSpPr txBox="1"/>
+          <p:nvPr/>
+        </p:nvSpPr>
+        <p:spPr>
+          <a:xfrm>
+            <a:off x="2491409" y="5883965"/>
+            <a:ext cx="8428911" cy="369332"/>
+          </a:xfrm>
+          <a:prstGeom prst="rect">
+            <a:avLst/>
+          </a:prstGeom>
+          <a:noFill/>
+        </p:spPr>
+        <p:txBody>
+          <a:bodyPr wrap="none" rtlCol="0">
+            <a:spAutoFit/>
+          </a:bodyPr>
+          <a:lstStyle/>
+          <a:p>
+            <a:r>
+              <a:rPr lang="en-US" dirty="0" smtClean="0">
+                <a:latin typeface="YuMincho +36p Kana Medium" charset="-128"/>
+                <a:ea typeface="YuMincho +36p Kana Medium" charset="-128"/>
+                <a:cs typeface="YuMincho +36p Kana Medium" charset="-128"/>
+              </a:rPr>
+              <a:t>https://</a:t>
+            </a:r>
+            <a:r>
+              <a:rPr lang="en-US" dirty="0" err="1" smtClean="0">
+                <a:latin typeface="YuMincho +36p Kana Medium" charset="-128"/>
+                <a:ea typeface="YuMincho +36p Kana Medium" charset="-128"/>
+                <a:cs typeface="YuMincho +36p Kana Medium" charset="-128"/>
+              </a:rPr>
+              <a:t>github.com</a:t>
+            </a:r>
+            <a:r>
+              <a:rPr lang="en-US" dirty="0" smtClean="0">
+                <a:latin typeface="YuMincho +36p Kana Medium" charset="-128"/>
+                <a:ea typeface="YuMincho +36p Kana Medium" charset="-128"/>
+                <a:cs typeface="YuMincho +36p Kana Medium" charset="-128"/>
+              </a:rPr>
+              <a:t>/</a:t>
+            </a:r>
+            <a:r>
+              <a:rPr lang="en-US" dirty="0" err="1" smtClean="0">
+                <a:latin typeface="YuMincho +36p Kana Medium" charset="-128"/>
+                <a:ea typeface="YuMincho +36p Kana Medium" charset="-128"/>
+                <a:cs typeface="YuMincho +36p Kana Medium" charset="-128"/>
+              </a:rPr>
+              <a:t>ParisaGY</a:t>
+            </a:r>
+            <a:r>
+              <a:rPr lang="en-US" dirty="0" smtClean="0">
+                <a:latin typeface="YuMincho +36p Kana Medium" charset="-128"/>
+                <a:ea typeface="YuMincho +36p Kana Medium" charset="-128"/>
+                <a:cs typeface="YuMincho +36p Kana Medium" charset="-128"/>
+              </a:rPr>
+              <a:t>/</a:t>
+            </a:r>
+            <a:r>
+              <a:rPr lang="en-US" dirty="0" err="1" smtClean="0">
+                <a:latin typeface="YuMincho +36p Kana Medium" charset="-128"/>
+                <a:ea typeface="YuMincho +36p Kana Medium" charset="-128"/>
+                <a:cs typeface="YuMincho +36p Kana Medium" charset="-128"/>
+              </a:rPr>
+              <a:t>MontgomeryCollege</a:t>
+            </a:r>
+            <a:r>
+              <a:rPr lang="en-US" dirty="0" smtClean="0">
+                <a:latin typeface="YuMincho +36p Kana Medium" charset="-128"/>
+                <a:ea typeface="YuMincho +36p Kana Medium" charset="-128"/>
+                <a:cs typeface="YuMincho +36p Kana Medium" charset="-128"/>
+              </a:rPr>
+              <a:t>/blob/master/</a:t>
+            </a:r>
+            <a:r>
+              <a:rPr lang="en-US" dirty="0" err="1" smtClean="0">
+                <a:latin typeface="YuMincho +36p Kana Medium" charset="-128"/>
+                <a:ea typeface="YuMincho +36p Kana Medium" charset="-128"/>
+                <a:cs typeface="YuMincho +36p Kana Medium" charset="-128"/>
+              </a:rPr>
+              <a:t>Presentation.pptx</a:t>
+            </a:r>
+            <a:endParaRPr lang="en-US" dirty="0">
+              <a:latin typeface="YuMincho +36p Kana Medium" charset="-128"/>
+              <a:ea typeface="YuMincho +36p Kana Medium" charset="-128"/>
+              <a:cs typeface="YuMincho +36p Kana Medium" charset="-128"/>
+            </a:endParaRPr>
+          </a:p>
+        </p:txBody>
+      </p:sp>
     </p:spTree>
     <p:extLst>
       <p:ext uri="{BB962C8B-B14F-4D97-AF65-F5344CB8AC3E}">
@@ -6318,6 +6425,92 @@
   <p:clrMapOvr>
     <a:masterClrMapping/>
   </p:clrMapOvr>
+  <p:timing>
+    <p:tnLst>
+      <p:par>
+        <p:cTn id="1" dur="indefinite" restart="never" nodeType="tmRoot">
+          <p:childTnLst>
+            <p:seq concurrent="1" nextAc="seek">
+              <p:cTn id="2" dur="indefinite" nodeType="mainSeq">
+                <p:childTnLst>
+                  <p:par>
+                    <p:cTn id="3" fill="hold">
+                      <p:stCondLst>
+                        <p:cond delay="indefinite"/>
+                      </p:stCondLst>
+                      <p:childTnLst>
+                        <p:par>
+                          <p:cTn id="4" fill="hold">
+                            <p:stCondLst>
+                              <p:cond delay="0"/>
+                            </p:stCondLst>
+                            <p:childTnLst>
+                              <p:par>
+                                <p:cTn id="5" presetID="3" presetClass="entr" presetSubtype="10" fill="hold" grpId="0" nodeType="clickEffect">
+                                  <p:stCondLst>
+                                    <p:cond delay="0"/>
+                                  </p:stCondLst>
+                                  <p:childTnLst>
+                                    <p:set>
+                                      <p:cBhvr>
+                                        <p:cTn id="6" dur="1" fill="hold">
+                                          <p:stCondLst>
+                                            <p:cond delay="0"/>
+                                          </p:stCondLst>
+                                        </p:cTn>
+                                        <p:tgtEl>
+                                          <p:spTgt spid="4"/>
+                                        </p:tgtEl>
+                                        <p:attrNameLst>
+                                          <p:attrName>style.visibility</p:attrName>
+                                        </p:attrNameLst>
+                                      </p:cBhvr>
+                                      <p:to>
+                                        <p:strVal val="visible"/>
+                                      </p:to>
+                                    </p:set>
+                                    <p:animEffect transition="in" filter="blinds(horizontal)">
+                                      <p:cBhvr>
+                                        <p:cTn id="7" dur="500"/>
+                                        <p:tgtEl>
+                                          <p:spTgt spid="4"/>
+                                        </p:tgtEl>
+                                      </p:cBhvr>
+                                    </p:animEffect>
+                                  </p:childTnLst>
+                                </p:cTn>
+                              </p:par>
+                            </p:childTnLst>
+                          </p:cTn>
+                        </p:par>
+                      </p:childTnLst>
+                    </p:cTn>
+                  </p:par>
+                </p:childTnLst>
+              </p:cTn>
+              <p:prevCondLst>
+                <p:cond evt="onPrev" delay="0">
+                  <p:tgtEl>
+                    <p:sldTgt/>
+                  </p:tgtEl>
+                </p:cond>
+              </p:prevCondLst>
+              <p:nextCondLst>
+                <p:cond evt="onNext" delay="0">
+                  <p:tgtEl>
+                    <p:sldTgt/>
+                  </p:tgtEl>
+                </p:cond>
+              </p:nextCondLst>
+            </p:seq>
+          </p:childTnLst>
+        </p:cTn>
+      </p:par>
+    </p:tnLst>
+    <p:bldLst>
+      <p:bldP spid="4" grpId="0"/>
+    </p:bldLst>
+  </p:timing>
 </p:sld>
 </file>
 
@@ -6459,11 +6652,6 @@
               </a:rPr>
               <a:t>a syntax </a:t>
             </a:r>
-            <a:endParaRPr lang="en-US" dirty="0">
-              <a:latin typeface="YuMincho +36p Kana Medium" charset="-128"/>
-              <a:ea typeface="YuMincho +36p Kana Medium" charset="-128"/>
-              <a:cs typeface="YuMincho +36p Kana Medium" charset="-128"/>
-            </a:endParaRPr>
           </a:p>
           <a:p>
             <a:pPr algn="just"/>
@@ -6509,6 +6697,13 @@
   <p:clrMapOvr>
     <a:masterClrMapping/>
   </p:clrMapOvr>
+  <p:timing>
+    <p:tnLst>
+      <p:par>
+        <p:cTn id="1" dur="indefinite" restart="never" nodeType="tmRoot"/>
+      </p:par>
+    </p:tnLst>
+  </p:timing>
 </p:sld>
 </file>
 
@@ -6711,11 +6906,6 @@
               </a:rPr>
               <a:t> data frame is a table, or two-dimensional array-like structure, in which each column contains measurements on one variable, and each row contains one case. </a:t>
             </a:r>
-            <a:endParaRPr lang="en-US" dirty="0">
-              <a:latin typeface="YuMincho +36p Kana Medium" charset="-128"/>
-              <a:ea typeface="YuMincho +36p Kana Medium" charset="-128"/>
-              <a:cs typeface="YuMincho +36p Kana Medium" charset="-128"/>
-            </a:endParaRPr>
           </a:p>
         </p:txBody>
       </p:sp>
@@ -6757,7 +6947,7 @@
         <p:spPr>
           <a:xfrm>
             <a:off x="9529763" y="1385888"/>
-            <a:ext cx="1726755" cy="369332"/>
+            <a:ext cx="2164375" cy="369332"/>
           </a:xfrm>
           <a:prstGeom prst="rect">
             <a:avLst/>
@@ -6776,7 +6966,15 @@
                 <a:ea typeface="YuMincho +36p Kana Medium" charset="-128"/>
                 <a:cs typeface="YuMincho +36p Kana Medium" charset="-128"/>
               </a:rPr>
-              <a:t>Columns , keys</a:t>
+              <a:t>Columns , </a:t>
+            </a:r>
+            <a:r>
+              <a:rPr lang="en-US" dirty="0" smtClean="0">
+                <a:latin typeface="YuMincho +36p Kana Medium" charset="-128"/>
+                <a:ea typeface="YuMincho +36p Kana Medium" charset="-128"/>
+                <a:cs typeface="YuMincho +36p Kana Medium" charset="-128"/>
+              </a:rPr>
+              <a:t>variables</a:t>
             </a:r>
             <a:endParaRPr lang="en-US" dirty="0">
               <a:latin typeface="YuMincho +36p Kana Medium" charset="-128"/>
@@ -6972,30 +7170,21 @@
                             </p:childTnLst>
                           </p:cTn>
                         </p:par>
-                      </p:childTnLst>
-                    </p:cTn>
-                  </p:par>
-                  <p:par>
-                    <p:cTn id="8" fill="hold">
-                      <p:stCondLst>
-                        <p:cond delay="indefinite"/>
-                      </p:stCondLst>
-                      <p:childTnLst>
                         <p:par>
-                          <p:cTn id="9" fill="hold">
+                          <p:cTn id="8" fill="hold">
                             <p:stCondLst>
-                              <p:cond delay="0"/>
+                              <p:cond delay="500"/>
                             </p:stCondLst>
                             <p:childTnLst>
                               <p:par>
-                                <p:cTn id="10" presetID="3" presetClass="entr" presetSubtype="10" fill="hold" grpId="0" nodeType="clickEffect">
+                                <p:cTn id="9" presetID="3" presetClass="entr" presetSubtype="10" fill="hold" grpId="0" nodeType="afterEffect">
                                   <p:stCondLst>
                                     <p:cond delay="0"/>
                                   </p:stCondLst>
                                   <p:childTnLst>
                                     <p:set>
                                       <p:cBhvr>
-                                        <p:cTn id="11" dur="1" fill="hold">
+                                        <p:cTn id="10" dur="1" fill="hold">
                                           <p:stCondLst>
                                             <p:cond delay="0"/>
                                           </p:stCondLst>
@@ -7013,7 +7202,7 @@
                                     </p:set>
                                     <p:animEffect transition="in" filter="blinds(horizontal)">
                                       <p:cBhvr>
-                                        <p:cTn id="12" dur="500"/>
+                                        <p:cTn id="11" dur="500"/>
                                         <p:tgtEl>
                                           <p:spTgt spid="5"/>
                                         </p:tgtEl>
@@ -7026,20 +7215,20 @@
                           </p:cTn>
                         </p:par>
                         <p:par>
-                          <p:cTn id="13" fill="hold">
+                          <p:cTn id="12" fill="hold">
                             <p:stCondLst>
-                              <p:cond delay="500"/>
+                              <p:cond delay="1000"/>
                             </p:stCondLst>
                             <p:childTnLst>
                               <p:par>
-                                <p:cTn id="14" presetID="3" presetClass="entr" presetSubtype="10" fill="hold" grpId="0" nodeType="afterEffect">
+                                <p:cTn id="13" presetID="3" presetClass="entr" presetSubtype="10" fill="hold" grpId="0" nodeType="afterEffect">
                                   <p:stCondLst>
                                     <p:cond delay="0"/>
                                   </p:stCondLst>
                                   <p:childTnLst>
                                     <p:set>
                                       <p:cBhvr>
-                                        <p:cTn id="15" dur="1" fill="hold">
+                                        <p:cTn id="14" dur="1" fill="hold">
                                           <p:stCondLst>
                                             <p:cond delay="0"/>
                                           </p:stCondLst>
@@ -7057,7 +7246,7 @@
                                     </p:set>
                                     <p:animEffect transition="in" filter="blinds(horizontal)">
                                       <p:cBhvr>
-                                        <p:cTn id="16" dur="500"/>
+                                        <p:cTn id="15" dur="500"/>
                                         <p:tgtEl>
                                           <p:spTgt spid="9"/>
                                         </p:tgtEl>
@@ -7070,20 +7259,20 @@
                           </p:cTn>
                         </p:par>
                         <p:par>
-                          <p:cTn id="17" fill="hold">
+                          <p:cTn id="16" fill="hold">
                             <p:stCondLst>
-                              <p:cond delay="1000"/>
+                              <p:cond delay="1500"/>
                             </p:stCondLst>
                             <p:childTnLst>
                               <p:par>
-                                <p:cTn id="18" presetID="3" presetClass="entr" presetSubtype="10" fill="hold" grpId="0" nodeType="afterEffect">
+                                <p:cTn id="17" presetID="3" presetClass="entr" presetSubtype="10" fill="hold" grpId="0" nodeType="afterEffect">
                                   <p:stCondLst>
                                     <p:cond delay="0"/>
                                   </p:stCondLst>
                                   <p:childTnLst>
                                     <p:set>
                                       <p:cBhvr>
-                                        <p:cTn id="19" dur="1" fill="hold">
+                                        <p:cTn id="18" dur="1" fill="hold">
                                           <p:stCondLst>
                                             <p:cond delay="0"/>
                                           </p:stCondLst>
@@ -7101,7 +7290,7 @@
                                     </p:set>
                                     <p:animEffect transition="in" filter="blinds(horizontal)">
                                       <p:cBhvr>
-                                        <p:cTn id="20" dur="500"/>
+                                        <p:cTn id="19" dur="500"/>
                                         <p:tgtEl>
                                           <p:spTgt spid="7"/>
                                         </p:tgtEl>
@@ -7114,20 +7303,20 @@
                           </p:cTn>
                         </p:par>
                         <p:par>
-                          <p:cTn id="21" fill="hold">
+                          <p:cTn id="20" fill="hold">
                             <p:stCondLst>
-                              <p:cond delay="1500"/>
+                              <p:cond delay="2000"/>
                             </p:stCondLst>
                             <p:childTnLst>
                               <p:par>
-                                <p:cTn id="22" presetID="3" presetClass="entr" presetSubtype="10" fill="hold" grpId="0" nodeType="afterEffect">
+                                <p:cTn id="21" presetID="3" presetClass="entr" presetSubtype="10" fill="hold" grpId="0" nodeType="afterEffect">
                                   <p:stCondLst>
                                     <p:cond delay="0"/>
                                   </p:stCondLst>
                                   <p:childTnLst>
                                     <p:set>
                                       <p:cBhvr>
-                                        <p:cTn id="23" dur="1" fill="hold">
+                                        <p:cTn id="22" dur="1" fill="hold">
                                           <p:stCondLst>
                                             <p:cond delay="0"/>
                                           </p:stCondLst>
@@ -7145,7 +7334,7 @@
                                     </p:set>
                                     <p:animEffect transition="in" filter="blinds(horizontal)">
                                       <p:cBhvr>
-                                        <p:cTn id="24" dur="500"/>
+                                        <p:cTn id="23" dur="500"/>
                                         <p:tgtEl>
                                           <p:spTgt spid="8"/>
                                         </p:tgtEl>
@@ -7229,15 +7418,7 @@
                 <a:ea typeface="YuMincho +36p Kana Medium" charset="-128"/>
                 <a:cs typeface="YuMincho +36p Kana Medium" charset="-128"/>
               </a:rPr>
-              <a:t>Join, merge and </a:t>
-            </a:r>
-            <a:r>
-              <a:rPr lang="en-US" dirty="0" err="1" smtClean="0">
-                <a:latin typeface="YuMincho +36p Kana Medium" charset="-128"/>
-                <a:ea typeface="YuMincho +36p Kana Medium" charset="-128"/>
-                <a:cs typeface="YuMincho +36p Kana Medium" charset="-128"/>
-              </a:rPr>
-              <a:t>concat</a:t>
+              <a:t>Join, </a:t>
             </a:r>
             <a:r>
               <a:rPr lang="en-US" dirty="0" smtClean="0">
@@ -7245,7 +7426,15 @@
                 <a:ea typeface="YuMincho +36p Kana Medium" charset="-128"/>
                 <a:cs typeface="YuMincho +36p Kana Medium" charset="-128"/>
               </a:rPr>
-              <a:t>, append</a:t>
+              <a:t>merge, </a:t>
+            </a:r>
+            <a:r>
+              <a:rPr lang="en-US" smtClean="0">
+                <a:latin typeface="YuMincho +36p Kana Medium" charset="-128"/>
+                <a:ea typeface="YuMincho +36p Kana Medium" charset="-128"/>
+                <a:cs typeface="YuMincho +36p Kana Medium" charset="-128"/>
+              </a:rPr>
+              <a:t>concat and append</a:t>
             </a:r>
             <a:endParaRPr lang="en-US" dirty="0">
               <a:latin typeface="YuMincho +36p Kana Medium" charset="-128"/>
@@ -7278,14 +7467,14 @@
         </p:blipFill>
         <p:spPr>
           <a:xfrm>
-            <a:off x="1828800" y="2045114"/>
+            <a:off x="1749288" y="2045114"/>
             <a:ext cx="4068417" cy="4011130"/>
           </a:xfrm>
         </p:spPr>
       </p:pic>
       <p:pic>
         <p:nvPicPr>
-          <p:cNvPr id="5" name="Picture 4"/>
+          <p:cNvPr id="3" name="Picture 2"/>
           <p:cNvPicPr>
             <a:picLocks noChangeAspect="1"/>
           </p:cNvPicPr>
@@ -7299,49 +7488,19 @@
               </a:ext>
             </a:extLst>
           </a:blip>
-          <a:srcRect l="1702" t="6680" r="2925" b="17996"/>
+          <a:srcRect l="3101" r="2520" b="5801"/>
           <a:stretch/>
         </p:blipFill>
         <p:spPr>
           <a:xfrm>
-            <a:off x="6109251" y="3074504"/>
-            <a:ext cx="5632175" cy="1444487"/>
+            <a:off x="6003169" y="2705172"/>
+            <a:ext cx="5645493" cy="1615037"/>
           </a:xfrm>
           <a:prstGeom prst="rect">
             <a:avLst/>
           </a:prstGeom>
         </p:spPr>
       </p:pic>
-      <p:sp>
-        <p:nvSpPr>
-          <p:cNvPr id="6" name="TextBox 5"/>
-          <p:cNvSpPr txBox="1"/>
-          <p:nvPr/>
-        </p:nvSpPr>
-        <p:spPr>
-          <a:xfrm>
-            <a:off x="6559826" y="5221357"/>
-            <a:ext cx="1593450" cy="369332"/>
-          </a:xfrm>
-          <a:prstGeom prst="rect">
-            <a:avLst/>
-          </a:prstGeom>
-          <a:noFill/>
-        </p:spPr>
-        <p:txBody>
-          <a:bodyPr wrap="none" rtlCol="0">
-            <a:spAutoFit/>
-          </a:bodyPr>
-          <a:lstStyle/>
-          <a:p>
-            <a:r>
-              <a:rPr lang="en-US" smtClean="0"/>
-              <a:t>www.github.io</a:t>
-            </a:r>
-            <a:endParaRPr lang="en-US"/>
-          </a:p>
-        </p:txBody>
-      </p:sp>
     </p:spTree>
     <p:extLst>
       <p:ext uri="{BB962C8B-B14F-4D97-AF65-F5344CB8AC3E}">
@@ -7394,77 +7553,120 @@
           <a:bodyPr/>
           <a:lstStyle/>
           <a:p>
-            <a:endParaRPr lang="en-US"/>
-          </a:p>
-        </p:txBody>
-      </p:sp>
-      <p:sp>
-        <p:nvSpPr>
-          <p:cNvPr id="3" name="Content Placeholder 2"/>
-          <p:cNvSpPr>
-            <a:spLocks noGrp="1"/>
-          </p:cNvSpPr>
+            <a:r>
+              <a:rPr lang="en-US" dirty="0" smtClean="0">
+                <a:latin typeface="YuMincho +36p Kana Medium" charset="-128"/>
+                <a:ea typeface="YuMincho +36p Kana Medium" charset="-128"/>
+                <a:cs typeface="YuMincho +36p Kana Medium" charset="-128"/>
+              </a:rPr>
+              <a:t>Merging data </a:t>
+            </a:r>
+            <a:r>
+              <a:rPr lang="mr-IN" dirty="0" smtClean="0">
+                <a:latin typeface="YuMincho +36p Kana Medium" charset="-128"/>
+                <a:ea typeface="YuMincho +36p Kana Medium" charset="-128"/>
+                <a:cs typeface="YuMincho +36p Kana Medium" charset="-128"/>
+              </a:rPr>
+              <a:t>–</a:t>
+            </a:r>
+            <a:r>
+              <a:rPr lang="en-US" dirty="0" smtClean="0">
+                <a:latin typeface="YuMincho +36p Kana Medium" charset="-128"/>
+                <a:ea typeface="YuMincho +36p Kana Medium" charset="-128"/>
+                <a:cs typeface="YuMincho +36p Kana Medium" charset="-128"/>
+              </a:rPr>
+              <a:t> different types</a:t>
+            </a:r>
+            <a:endParaRPr lang="en-US" dirty="0">
+              <a:latin typeface="YuMincho +36p Kana Medium" charset="-128"/>
+              <a:ea typeface="YuMincho +36p Kana Medium" charset="-128"/>
+              <a:cs typeface="YuMincho +36p Kana Medium" charset="-128"/>
+            </a:endParaRPr>
+          </a:p>
+        </p:txBody>
+      </p:sp>
+      <p:pic>
+        <p:nvPicPr>
+          <p:cNvPr id="6" name="Content Placeholder 5"/>
+          <p:cNvPicPr>
+            <a:picLocks noGrp="1" noChangeAspect="1"/>
+          </p:cNvPicPr>
           <p:nvPr>
             <p:ph idx="1"/>
           </p:nvPr>
-        </p:nvSpPr>
-        <p:spPr/>
-        <p:txBody>
-          <a:bodyPr>
-            <a:normAutofit fontScale="92500" lnSpcReduction="20000"/>
+        </p:nvPicPr>
+        <p:blipFill>
+          <a:blip r:embed="rId2">
+            <a:extLst>
+              <a:ext uri="{28A0092B-C50C-407E-A947-70E740481C1C}">
+                <a14:useLocalDpi xmlns:a14="http://schemas.microsoft.com/office/drawing/2010/main" val="0"/>
+              </a:ext>
+            </a:extLst>
+          </a:blip>
+          <a:stretch>
+            <a:fillRect/>
+          </a:stretch>
+        </p:blipFill>
+        <p:spPr>
+          <a:xfrm>
+            <a:off x="3339549" y="1935230"/>
+            <a:ext cx="5804451" cy="4480571"/>
+          </a:xfrm>
+        </p:spPr>
+      </p:pic>
+      <p:sp>
+        <p:nvSpPr>
+          <p:cNvPr id="7" name="Rectangle 6"/>
+          <p:cNvSpPr/>
+          <p:nvPr/>
+        </p:nvSpPr>
+        <p:spPr>
+          <a:xfrm>
+            <a:off x="2385391" y="6415801"/>
+            <a:ext cx="9660972" cy="369332"/>
+          </a:xfrm>
+          <a:prstGeom prst="rect">
+            <a:avLst/>
+          </a:prstGeom>
+        </p:spPr>
+        <p:txBody>
+          <a:bodyPr wrap="square">
+            <a:spAutoFit/>
           </a:bodyPr>
           <a:lstStyle/>
           <a:p>
             <a:r>
               <a:rPr lang="en-US" dirty="0"/>
-              <a:t>lookup on right table: df1.join(df2) always joins via the index of df2, but df1.merge(df2) can join to one or more columns of df2 (default) or to the index of df2(with </a:t>
+              <a:t>https://</a:t>
             </a:r>
             <a:r>
               <a:rPr lang="en-US" dirty="0" err="1"/>
-              <a:t>right_index</a:t>
+              <a:t>github.com</a:t>
             </a:r>
             <a:r>
               <a:rPr lang="en-US" dirty="0"/>
-              <a:t>=True).</a:t>
-            </a:r>
-          </a:p>
-          <a:p>
+              <a:t>/</a:t>
+            </a:r>
+            <a:r>
+              <a:rPr lang="en-US" dirty="0" err="1"/>
+              <a:t>ParisaGY</a:t>
+            </a:r>
             <a:r>
               <a:rPr lang="en-US" dirty="0"/>
-              <a:t>lookup on left table: by default, df1.join(df2) uses the index of df1 and df1.merge(df2)uses column(s) of df1. That can be overridden by specifying df1.join(df2, on=</a:t>
+              <a:t>/</a:t>
             </a:r>
             <a:r>
               <a:rPr lang="en-US" dirty="0" err="1"/>
-              <a:t>key_or_keys</a:t>
+              <a:t>MontgomeryCollege</a:t>
             </a:r>
             <a:r>
               <a:rPr lang="en-US" dirty="0"/>
-              <a:t>) or df1.merge(df2, </a:t>
+              <a:t>/blob/master/Join-Merge-</a:t>
             </a:r>
             <a:r>
               <a:rPr lang="en-US" dirty="0" err="1"/>
-              <a:t>right_index</a:t>
-            </a:r>
-            <a:r>
-              <a:rPr lang="en-US" dirty="0"/>
-              <a:t>=True).</a:t>
-            </a:r>
-          </a:p>
-          <a:p>
-            <a:r>
-              <a:rPr lang="en-US" dirty="0"/>
-              <a:t>left vs inner join: df1.join(df2) does a left join by default (keeps all rows of df1), but </a:t>
-            </a:r>
-            <a:r>
-              <a:rPr lang="en-US" dirty="0" err="1"/>
-              <a:t>df.merge</a:t>
-            </a:r>
-            <a:r>
-              <a:rPr lang="en-US" dirty="0"/>
-              <a:t> does an inner join by default (returns only matching rows of df1 and df2).</a:t>
-            </a:r>
-          </a:p>
-          <a:p>
+              <a:t>Concate.ipynb</a:t>
+            </a:r>
             <a:endParaRPr lang="en-US" dirty="0"/>
           </a:p>
         </p:txBody>
@@ -7472,13 +7674,99 @@
     </p:spTree>
     <p:extLst>
       <p:ext uri="{BB962C8B-B14F-4D97-AF65-F5344CB8AC3E}">
-        <p14:creationId xmlns:p14="http://schemas.microsoft.com/office/powerpoint/2010/main" val="111478320"/>
+        <p14:creationId xmlns:p14="http://schemas.microsoft.com/office/powerpoint/2010/main" val="482815219"/>
       </p:ext>
     </p:extLst>
   </p:cSld>
   <p:clrMapOvr>
     <a:masterClrMapping/>
   </p:clrMapOvr>
+  <p:timing>
+    <p:tnLst>
+      <p:par>
+        <p:cTn id="1" dur="indefinite" restart="never" nodeType="tmRoot">
+          <p:childTnLst>
+            <p:seq concurrent="1" nextAc="seek">
+              <p:cTn id="2" dur="indefinite" nodeType="mainSeq">
+                <p:childTnLst>
+                  <p:par>
+                    <p:cTn id="3" fill="hold">
+                      <p:stCondLst>
+                        <p:cond delay="indefinite"/>
+                      </p:stCondLst>
+                      <p:childTnLst>
+                        <p:par>
+                          <p:cTn id="4" fill="hold">
+                            <p:stCondLst>
+                              <p:cond delay="0"/>
+                            </p:stCondLst>
+                            <p:childTnLst>
+                              <p:par>
+                                <p:cTn id="5" presetID="3" presetClass="entr" presetSubtype="10" fill="hold" grpId="0" nodeType="clickEffect">
+                                  <p:stCondLst>
+                                    <p:cond delay="0"/>
+                                  </p:stCondLst>
+                                  <p:childTnLst>
+                                    <p:set>
+                                      <p:cBhvr>
+                                        <p:cTn id="6" dur="1" fill="hold">
+                                          <p:stCondLst>
+                                            <p:cond delay="0"/>
+                                          </p:stCondLst>
+                                        </p:cTn>
+                                        <p:tgtEl>
+                                          <p:spTgt spid="7"/>
+                                        </p:tgtEl>
+                                        <p:attrNameLst>
+                                          <p:attrName>style.visibility</p:attrName>
+                                        </p:attrNameLst>
+                                      </p:cBhvr>
+                                      <p:to>
+                                        <p:strVal val="visible"/>
+                                      </p:to>
+                                    </p:set>
+                                    <p:animEffect transition="in" filter="blinds(horizontal)">
+                                      <p:cBhvr>
+                                        <p:cTn id="7" dur="500"/>
+                                        <p:tgtEl>
+                                          <p:spTgt spid="7"/>
+                                        </p:tgtEl>
+                                      </p:cBhvr>
+                                    </p:animEffect>
+                                  </p:childTnLst>
+                                </p:cTn>
+                              </p:par>
+                            </p:childTnLst>
+                          </p:cTn>
+                        </p:par>
+                      </p:childTnLst>
+                    </p:cTn>
+                  </p:par>
+                </p:childTnLst>
+              </p:cTn>
+              <p:prevCondLst>
+                <p:cond evt="onPrev" delay="0">
+                  <p:tgtEl>
+                    <p:sldTgt/>
+                  </p:tgtEl>
+                </p:cond>
+              </p:prevCondLst>
+              <p:nextCondLst>
+                <p:cond evt="onNext" delay="0">
+                  <p:tgtEl>
+                    <p:sldTgt/>
+                  </p:tgtEl>
+                </p:cond>
+              </p:nextCondLst>
+            </p:seq>
+          </p:childTnLst>
+        </p:cTn>
+      </p:par>
+    </p:tnLst>
+    <p:bldLst>
+      <p:bldP spid="7" grpId="0"/>
+    </p:bldLst>
+  </p:timing>
 </p:sld>
 </file>
 
@@ -7515,10 +7803,18 @@
           <a:lstStyle/>
           <a:p>
             <a:r>
-              <a:rPr lang="en-US" dirty="0" smtClean="0"/>
+              <a:rPr lang="en-US" dirty="0" smtClean="0">
+                <a:latin typeface="YuMincho +36p Kana Medium" charset="-128"/>
+                <a:ea typeface="YuMincho +36p Kana Medium" charset="-128"/>
+                <a:cs typeface="YuMincho +36p Kana Medium" charset="-128"/>
+              </a:rPr>
               <a:t>Conclusion</a:t>
             </a:r>
-            <a:endParaRPr lang="en-US" dirty="0"/>
+            <a:endParaRPr lang="en-US" dirty="0">
+              <a:latin typeface="YuMincho +36p Kana Medium" charset="-128"/>
+              <a:ea typeface="YuMincho +36p Kana Medium" charset="-128"/>
+              <a:cs typeface="YuMincho +36p Kana Medium" charset="-128"/>
+            </a:endParaRPr>
           </a:p>
         </p:txBody>
       </p:sp>
@@ -7538,38 +7834,86 @@
           <a:lstStyle/>
           <a:p>
             <a:r>
-              <a:rPr lang="en-US" dirty="0" smtClean="0"/>
-              <a:t>Python is a very fast growing programming language which is very common between data scientists.</a:t>
-            </a:r>
-          </a:p>
-          <a:p>
-            <a:r>
-              <a:rPr lang="en-US" dirty="0" smtClean="0"/>
+              <a:rPr lang="en-US" dirty="0" smtClean="0">
+                <a:latin typeface="YuMincho +36p Kana Medium" charset="-128"/>
+                <a:ea typeface="YuMincho +36p Kana Medium" charset="-128"/>
+                <a:cs typeface="YuMincho +36p Kana Medium" charset="-128"/>
+              </a:rPr>
+              <a:t>Python is a very fast </a:t>
+            </a:r>
+            <a:r>
+              <a:rPr lang="en-US" dirty="0" smtClean="0">
+                <a:latin typeface="YuMincho +36p Kana Medium" charset="-128"/>
+                <a:ea typeface="YuMincho +36p Kana Medium" charset="-128"/>
+                <a:cs typeface="YuMincho +36p Kana Medium" charset="-128"/>
+              </a:rPr>
+              <a:t>programming </a:t>
+            </a:r>
+            <a:r>
+              <a:rPr lang="en-US" dirty="0" smtClean="0">
+                <a:latin typeface="YuMincho +36p Kana Medium" charset="-128"/>
+                <a:ea typeface="YuMincho +36p Kana Medium" charset="-128"/>
+                <a:cs typeface="YuMincho +36p Kana Medium" charset="-128"/>
+              </a:rPr>
+              <a:t>language which is very common between data scientists.</a:t>
+            </a:r>
+          </a:p>
+          <a:p>
+            <a:r>
+              <a:rPr lang="en-US" dirty="0" smtClean="0">
+                <a:latin typeface="YuMincho +36p Kana Medium" charset="-128"/>
+                <a:ea typeface="YuMincho +36p Kana Medium" charset="-128"/>
+                <a:cs typeface="YuMincho +36p Kana Medium" charset="-128"/>
+              </a:rPr>
               <a:t>Pandas is a python’s module which makes it easy to work with </a:t>
             </a:r>
             <a:r>
-              <a:rPr lang="en-US" dirty="0" err="1" smtClean="0"/>
-              <a:t>dataframes</a:t>
-            </a:r>
-            <a:r>
-              <a:rPr lang="en-US" dirty="0" smtClean="0"/>
+              <a:rPr lang="en-US" dirty="0" smtClean="0">
+                <a:latin typeface="YuMincho +36p Kana Medium" charset="-128"/>
+                <a:ea typeface="YuMincho +36p Kana Medium" charset="-128"/>
+                <a:cs typeface="YuMincho +36p Kana Medium" charset="-128"/>
+              </a:rPr>
+              <a:t>data frames</a:t>
+            </a:r>
+            <a:r>
+              <a:rPr lang="en-US" dirty="0" smtClean="0">
+                <a:latin typeface="YuMincho +36p Kana Medium" charset="-128"/>
+                <a:ea typeface="YuMincho +36p Kana Medium" charset="-128"/>
+                <a:cs typeface="YuMincho +36p Kana Medium" charset="-128"/>
+              </a:rPr>
               <a:t>.</a:t>
             </a:r>
           </a:p>
           <a:p>
             <a:r>
-              <a:rPr lang="en-US" dirty="0" smtClean="0"/>
+              <a:rPr lang="en-US" dirty="0" smtClean="0">
+                <a:latin typeface="YuMincho +36p Kana Medium" charset="-128"/>
+                <a:ea typeface="YuMincho +36p Kana Medium" charset="-128"/>
+                <a:cs typeface="YuMincho +36p Kana Medium" charset="-128"/>
+              </a:rPr>
               <a:t>Merge, join, </a:t>
             </a:r>
             <a:r>
-              <a:rPr lang="en-US" dirty="0" err="1" smtClean="0"/>
+              <a:rPr lang="en-US" dirty="0" err="1" smtClean="0">
+                <a:latin typeface="YuMincho +36p Kana Medium" charset="-128"/>
+                <a:ea typeface="YuMincho +36p Kana Medium" charset="-128"/>
+                <a:cs typeface="YuMincho +36p Kana Medium" charset="-128"/>
+              </a:rPr>
               <a:t>concat</a:t>
             </a:r>
             <a:r>
-              <a:rPr lang="en-US" dirty="0" smtClean="0"/>
+              <a:rPr lang="en-US" dirty="0" smtClean="0">
+                <a:latin typeface="YuMincho +36p Kana Medium" charset="-128"/>
+                <a:ea typeface="YuMincho +36p Kana Medium" charset="-128"/>
+                <a:cs typeface="YuMincho +36p Kana Medium" charset="-128"/>
+              </a:rPr>
               <a:t> and append are methods to make a big data frame from some small data frames.</a:t>
             </a:r>
-            <a:endParaRPr lang="en-US" dirty="0"/>
+            <a:endParaRPr lang="en-US" dirty="0">
+              <a:latin typeface="YuMincho +36p Kana Medium" charset="-128"/>
+              <a:ea typeface="YuMincho +36p Kana Medium" charset="-128"/>
+              <a:cs typeface="YuMincho +36p Kana Medium" charset="-128"/>
+            </a:endParaRPr>
           </a:p>
         </p:txBody>
       </p:sp>
@@ -7583,6 +7927,142 @@
   <p:clrMapOvr>
     <a:masterClrMapping/>
   </p:clrMapOvr>
+  <p:timing>
+    <p:tnLst>
+      <p:par>
+        <p:cTn id="1" dur="indefinite" restart="never" nodeType="tmRoot"/>
+      </p:par>
+    </p:tnLst>
+  </p:timing>
+</p:sld>
+</file>
+
+<file path=ppt/slides/slide9.xml><?xml version="1.0" encoding="utf-8"?>
+<p:sld xmlns:a="http://schemas.openxmlformats.org/drawingml/2006/main" xmlns:r="http://schemas.openxmlformats.org/officeDocument/2006/relationships" xmlns:p="http://schemas.openxmlformats.org/presentationml/2006/main">
+  <p:cSld>
+    <p:spTree>
+      <p:nvGrpSpPr>
+        <p:cNvPr id="1" name=""/>
+        <p:cNvGrpSpPr/>
+        <p:nvPr/>
+      </p:nvGrpSpPr>
+      <p:grpSpPr>
+        <a:xfrm>
+          <a:off x="0" y="0"/>
+          <a:ext cx="0" cy="0"/>
+          <a:chOff x="0" y="0"/>
+          <a:chExt cx="0" cy="0"/>
+        </a:xfrm>
+      </p:grpSpPr>
+      <p:sp>
+        <p:nvSpPr>
+          <p:cNvPr id="2" name="Title 1"/>
+          <p:cNvSpPr>
+            <a:spLocks noGrp="1"/>
+          </p:cNvSpPr>
+          <p:nvPr>
+            <p:ph type="title"/>
+          </p:nvPr>
+        </p:nvSpPr>
+        <p:spPr>
+          <a:xfrm>
+            <a:off x="1484309" y="1790699"/>
+            <a:ext cx="10018713" cy="1752599"/>
+          </a:xfrm>
+        </p:spPr>
+        <p:txBody>
+          <a:bodyPr>
+            <a:normAutofit fontScale="90000"/>
+          </a:bodyPr>
+          <a:lstStyle/>
+          <a:p>
+            <a:r>
+              <a:rPr lang="en-US" sz="7200" dirty="0" smtClean="0">
+                <a:latin typeface="YuMincho +36p Kana Medium" charset="-128"/>
+                <a:ea typeface="YuMincho +36p Kana Medium" charset="-128"/>
+                <a:cs typeface="YuMincho +36p Kana Medium" charset="-128"/>
+              </a:rPr>
+              <a:t>Q/A?</a:t>
+            </a:r>
+            <a:br>
+              <a:rPr lang="en-US" sz="7200" dirty="0" smtClean="0">
+                <a:latin typeface="YuMincho +36p Kana Medium" charset="-128"/>
+                <a:ea typeface="YuMincho +36p Kana Medium" charset="-128"/>
+                <a:cs typeface="YuMincho +36p Kana Medium" charset="-128"/>
+              </a:rPr>
+            </a:br>
+            <a:r>
+              <a:rPr lang="en-US" sz="7200" dirty="0" smtClean="0">
+                <a:latin typeface="YuMincho +36p Kana Medium" charset="-128"/>
+                <a:ea typeface="YuMincho +36p Kana Medium" charset="-128"/>
+                <a:cs typeface="YuMincho +36p Kana Medium" charset="-128"/>
+              </a:rPr>
+              <a:t/>
+            </a:r>
+            <a:br>
+              <a:rPr lang="en-US" sz="7200" dirty="0" smtClean="0">
+                <a:latin typeface="YuMincho +36p Kana Medium" charset="-128"/>
+                <a:ea typeface="YuMincho +36p Kana Medium" charset="-128"/>
+                <a:cs typeface="YuMincho +36p Kana Medium" charset="-128"/>
+              </a:rPr>
+            </a:br>
+            <a:r>
+              <a:rPr lang="en-US" sz="6000" dirty="0" smtClean="0">
+                <a:latin typeface="YuMincho +36p Kana Medium" charset="-128"/>
+                <a:ea typeface="YuMincho +36p Kana Medium" charset="-128"/>
+                <a:cs typeface="YuMincho +36p Kana Medium" charset="-128"/>
+              </a:rPr>
+              <a:t>Thank you!</a:t>
+            </a:r>
+            <a:endParaRPr lang="en-US" sz="6000" dirty="0">
+              <a:latin typeface="YuMincho +36p Kana Medium" charset="-128"/>
+              <a:ea typeface="YuMincho +36p Kana Medium" charset="-128"/>
+              <a:cs typeface="YuMincho +36p Kana Medium" charset="-128"/>
+            </a:endParaRPr>
+          </a:p>
+        </p:txBody>
+      </p:sp>
+      <p:sp>
+        <p:nvSpPr>
+          <p:cNvPr id="3" name="Content Placeholder 2"/>
+          <p:cNvSpPr>
+            <a:spLocks noGrp="1"/>
+          </p:cNvSpPr>
+          <p:nvPr>
+            <p:ph idx="1"/>
+          </p:nvPr>
+        </p:nvSpPr>
+        <p:spPr/>
+        <p:txBody>
+          <a:bodyPr/>
+          <a:lstStyle/>
+          <a:p>
+            <a:pPr algn="ctr"/>
+            <a:endParaRPr lang="en-US" dirty="0">
+              <a:latin typeface="YuMincho +36p Kana Medium" charset="-128"/>
+              <a:ea typeface="YuMincho +36p Kana Medium" charset="-128"/>
+              <a:cs typeface="YuMincho +36p Kana Medium" charset="-128"/>
+            </a:endParaRPr>
+          </a:p>
+        </p:txBody>
+      </p:sp>
+    </p:spTree>
+    <p:extLst>
+      <p:ext uri="{BB962C8B-B14F-4D97-AF65-F5344CB8AC3E}">
+        <p14:creationId xmlns:p14="http://schemas.microsoft.com/office/powerpoint/2010/main" val="660493597"/>
+      </p:ext>
+    </p:extLst>
+  </p:cSld>
+  <p:clrMapOvr>
+    <a:masterClrMapping/>
+  </p:clrMapOvr>
+  <p:timing>
+    <p:tnLst>
+      <p:par>
+        <p:cTn id="1" dur="indefinite" restart="never" nodeType="tmRoot"/>
+      </p:par>
+    </p:tnLst>
+  </p:timing>
 </p:sld>
 </file>
 

--- a/Presentation.pptx
+++ b/Presentation.pptx
@@ -7429,12 +7429,20 @@
               <a:t>merge, </a:t>
             </a:r>
             <a:r>
-              <a:rPr lang="en-US" smtClean="0">
+              <a:rPr lang="en-US" dirty="0" err="1" smtClean="0">
                 <a:latin typeface="YuMincho +36p Kana Medium" charset="-128"/>
                 <a:ea typeface="YuMincho +36p Kana Medium" charset="-128"/>
                 <a:cs typeface="YuMincho +36p Kana Medium" charset="-128"/>
               </a:rPr>
-              <a:t>concat and append</a:t>
+              <a:t>concat</a:t>
+            </a:r>
+            <a:r>
+              <a:rPr lang="en-US" dirty="0" smtClean="0">
+                <a:latin typeface="YuMincho +36p Kana Medium" charset="-128"/>
+                <a:ea typeface="YuMincho +36p Kana Medium" charset="-128"/>
+                <a:cs typeface="YuMincho +36p Kana Medium" charset="-128"/>
+              </a:rPr>
+              <a:t> and append</a:t>
             </a:r>
             <a:endParaRPr lang="en-US" dirty="0">
               <a:latin typeface="YuMincho +36p Kana Medium" charset="-128"/>
